--- a/design/design.pptx
+++ b/design/design.pptx
@@ -106,6 +106,11 @@
       </a:defRPr>
     </a:lvl9pPr>
   </p:defaultTextStyle>
+  <p:extLst>
+    <p:ext uri="{EFAFB233-063F-42B5-8137-9DF3F51BA10A}">
+      <p15:sldGuideLst xmlns:p15="http://schemas.microsoft.com/office/powerpoint/2012/main"/>
+    </p:ext>
+  </p:extLst>
 </p:presentation>
 </file>
 
@@ -256,7 +261,7 @@
           <a:p>
             <a:fld id="{9E6D1A4F-384D-4074-A607-DFFF62338B6B}" type="datetimeFigureOut">
               <a:rPr kumimoji="1" lang="ja-JP" altLang="en-US" smtClean="0"/>
-              <a:t>2024/11/8</a:t>
+              <a:t>2024/11/11</a:t>
             </a:fld>
             <a:endParaRPr kumimoji="1" lang="ja-JP" altLang="en-US"/>
           </a:p>
@@ -486,7 +491,7 @@
           <a:p>
             <a:fld id="{9E6D1A4F-384D-4074-A607-DFFF62338B6B}" type="datetimeFigureOut">
               <a:rPr kumimoji="1" lang="ja-JP" altLang="en-US" smtClean="0"/>
-              <a:t>2024/11/8</a:t>
+              <a:t>2024/11/11</a:t>
             </a:fld>
             <a:endParaRPr kumimoji="1" lang="ja-JP" altLang="en-US"/>
           </a:p>
@@ -726,7 +731,7 @@
           <a:p>
             <a:fld id="{9E6D1A4F-384D-4074-A607-DFFF62338B6B}" type="datetimeFigureOut">
               <a:rPr kumimoji="1" lang="ja-JP" altLang="en-US" smtClean="0"/>
-              <a:t>2024/11/8</a:t>
+              <a:t>2024/11/11</a:t>
             </a:fld>
             <a:endParaRPr kumimoji="1" lang="ja-JP" altLang="en-US"/>
           </a:p>
@@ -956,7 +961,7 @@
           <a:p>
             <a:fld id="{9E6D1A4F-384D-4074-A607-DFFF62338B6B}" type="datetimeFigureOut">
               <a:rPr kumimoji="1" lang="ja-JP" altLang="en-US" smtClean="0"/>
-              <a:t>2024/11/8</a:t>
+              <a:t>2024/11/11</a:t>
             </a:fld>
             <a:endParaRPr kumimoji="1" lang="ja-JP" altLang="en-US"/>
           </a:p>
@@ -1231,7 +1236,7 @@
           <a:p>
             <a:fld id="{9E6D1A4F-384D-4074-A607-DFFF62338B6B}" type="datetimeFigureOut">
               <a:rPr kumimoji="1" lang="ja-JP" altLang="en-US" smtClean="0"/>
-              <a:t>2024/11/8</a:t>
+              <a:t>2024/11/11</a:t>
             </a:fld>
             <a:endParaRPr kumimoji="1" lang="ja-JP" altLang="en-US"/>
           </a:p>
@@ -1560,7 +1565,7 @@
           <a:p>
             <a:fld id="{9E6D1A4F-384D-4074-A607-DFFF62338B6B}" type="datetimeFigureOut">
               <a:rPr kumimoji="1" lang="ja-JP" altLang="en-US" smtClean="0"/>
-              <a:t>2024/11/8</a:t>
+              <a:t>2024/11/11</a:t>
             </a:fld>
             <a:endParaRPr kumimoji="1" lang="ja-JP" altLang="en-US"/>
           </a:p>
@@ -2036,7 +2041,7 @@
           <a:p>
             <a:fld id="{9E6D1A4F-384D-4074-A607-DFFF62338B6B}" type="datetimeFigureOut">
               <a:rPr kumimoji="1" lang="ja-JP" altLang="en-US" smtClean="0"/>
-              <a:t>2024/11/8</a:t>
+              <a:t>2024/11/11</a:t>
             </a:fld>
             <a:endParaRPr kumimoji="1" lang="ja-JP" altLang="en-US"/>
           </a:p>
@@ -2177,7 +2182,7 @@
           <a:p>
             <a:fld id="{9E6D1A4F-384D-4074-A607-DFFF62338B6B}" type="datetimeFigureOut">
               <a:rPr kumimoji="1" lang="ja-JP" altLang="en-US" smtClean="0"/>
-              <a:t>2024/11/8</a:t>
+              <a:t>2024/11/11</a:t>
             </a:fld>
             <a:endParaRPr kumimoji="1" lang="ja-JP" altLang="en-US"/>
           </a:p>
@@ -2290,7 +2295,7 @@
           <a:p>
             <a:fld id="{9E6D1A4F-384D-4074-A607-DFFF62338B6B}" type="datetimeFigureOut">
               <a:rPr kumimoji="1" lang="ja-JP" altLang="en-US" smtClean="0"/>
-              <a:t>2024/11/8</a:t>
+              <a:t>2024/11/11</a:t>
             </a:fld>
             <a:endParaRPr kumimoji="1" lang="ja-JP" altLang="en-US"/>
           </a:p>
@@ -2633,7 +2638,7 @@
           <a:p>
             <a:fld id="{9E6D1A4F-384D-4074-A607-DFFF62338B6B}" type="datetimeFigureOut">
               <a:rPr kumimoji="1" lang="ja-JP" altLang="en-US" smtClean="0"/>
-              <a:t>2024/11/8</a:t>
+              <a:t>2024/11/11</a:t>
             </a:fld>
             <a:endParaRPr kumimoji="1" lang="ja-JP" altLang="en-US"/>
           </a:p>
@@ -2921,7 +2926,7 @@
           <a:p>
             <a:fld id="{9E6D1A4F-384D-4074-A607-DFFF62338B6B}" type="datetimeFigureOut">
               <a:rPr kumimoji="1" lang="ja-JP" altLang="en-US" smtClean="0"/>
-              <a:t>2024/11/8</a:t>
+              <a:t>2024/11/11</a:t>
             </a:fld>
             <a:endParaRPr kumimoji="1" lang="ja-JP" altLang="en-US"/>
           </a:p>
@@ -3194,7 +3199,7 @@
           <a:p>
             <a:fld id="{9E6D1A4F-384D-4074-A607-DFFF62338B6B}" type="datetimeFigureOut">
               <a:rPr kumimoji="1" lang="ja-JP" altLang="en-US" smtClean="0"/>
-              <a:t>2024/11/8</a:t>
+              <a:t>2024/11/11</a:t>
             </a:fld>
             <a:endParaRPr kumimoji="1" lang="ja-JP" altLang="en-US"/>
           </a:p>

--- a/design/design.pptx
+++ b/design/design.pptx
@@ -8,6 +8,7 @@
     <p:sldId id="256" r:id="rId2"/>
     <p:sldId id="257" r:id="rId3"/>
     <p:sldId id="258" r:id="rId4"/>
+    <p:sldId id="259" r:id="rId5"/>
   </p:sldIdLst>
   <p:sldSz cx="12192000" cy="6858000"/>
   <p:notesSz cx="6858000" cy="9144000"/>
@@ -261,7 +262,7 @@
           <a:p>
             <a:fld id="{9E6D1A4F-384D-4074-A607-DFFF62338B6B}" type="datetimeFigureOut">
               <a:rPr kumimoji="1" lang="ja-JP" altLang="en-US" smtClean="0"/>
-              <a:t>2024/11/11</a:t>
+              <a:t>2024/11/16</a:t>
             </a:fld>
             <a:endParaRPr kumimoji="1" lang="ja-JP" altLang="en-US"/>
           </a:p>
@@ -491,7 +492,7 @@
           <a:p>
             <a:fld id="{9E6D1A4F-384D-4074-A607-DFFF62338B6B}" type="datetimeFigureOut">
               <a:rPr kumimoji="1" lang="ja-JP" altLang="en-US" smtClean="0"/>
-              <a:t>2024/11/11</a:t>
+              <a:t>2024/11/16</a:t>
             </a:fld>
             <a:endParaRPr kumimoji="1" lang="ja-JP" altLang="en-US"/>
           </a:p>
@@ -731,7 +732,7 @@
           <a:p>
             <a:fld id="{9E6D1A4F-384D-4074-A607-DFFF62338B6B}" type="datetimeFigureOut">
               <a:rPr kumimoji="1" lang="ja-JP" altLang="en-US" smtClean="0"/>
-              <a:t>2024/11/11</a:t>
+              <a:t>2024/11/16</a:t>
             </a:fld>
             <a:endParaRPr kumimoji="1" lang="ja-JP" altLang="en-US"/>
           </a:p>
@@ -961,7 +962,7 @@
           <a:p>
             <a:fld id="{9E6D1A4F-384D-4074-A607-DFFF62338B6B}" type="datetimeFigureOut">
               <a:rPr kumimoji="1" lang="ja-JP" altLang="en-US" smtClean="0"/>
-              <a:t>2024/11/11</a:t>
+              <a:t>2024/11/16</a:t>
             </a:fld>
             <a:endParaRPr kumimoji="1" lang="ja-JP" altLang="en-US"/>
           </a:p>
@@ -1236,7 +1237,7 @@
           <a:p>
             <a:fld id="{9E6D1A4F-384D-4074-A607-DFFF62338B6B}" type="datetimeFigureOut">
               <a:rPr kumimoji="1" lang="ja-JP" altLang="en-US" smtClean="0"/>
-              <a:t>2024/11/11</a:t>
+              <a:t>2024/11/16</a:t>
             </a:fld>
             <a:endParaRPr kumimoji="1" lang="ja-JP" altLang="en-US"/>
           </a:p>
@@ -1565,7 +1566,7 @@
           <a:p>
             <a:fld id="{9E6D1A4F-384D-4074-A607-DFFF62338B6B}" type="datetimeFigureOut">
               <a:rPr kumimoji="1" lang="ja-JP" altLang="en-US" smtClean="0"/>
-              <a:t>2024/11/11</a:t>
+              <a:t>2024/11/16</a:t>
             </a:fld>
             <a:endParaRPr kumimoji="1" lang="ja-JP" altLang="en-US"/>
           </a:p>
@@ -2041,7 +2042,7 @@
           <a:p>
             <a:fld id="{9E6D1A4F-384D-4074-A607-DFFF62338B6B}" type="datetimeFigureOut">
               <a:rPr kumimoji="1" lang="ja-JP" altLang="en-US" smtClean="0"/>
-              <a:t>2024/11/11</a:t>
+              <a:t>2024/11/16</a:t>
             </a:fld>
             <a:endParaRPr kumimoji="1" lang="ja-JP" altLang="en-US"/>
           </a:p>
@@ -2182,7 +2183,7 @@
           <a:p>
             <a:fld id="{9E6D1A4F-384D-4074-A607-DFFF62338B6B}" type="datetimeFigureOut">
               <a:rPr kumimoji="1" lang="ja-JP" altLang="en-US" smtClean="0"/>
-              <a:t>2024/11/11</a:t>
+              <a:t>2024/11/16</a:t>
             </a:fld>
             <a:endParaRPr kumimoji="1" lang="ja-JP" altLang="en-US"/>
           </a:p>
@@ -2295,7 +2296,7 @@
           <a:p>
             <a:fld id="{9E6D1A4F-384D-4074-A607-DFFF62338B6B}" type="datetimeFigureOut">
               <a:rPr kumimoji="1" lang="ja-JP" altLang="en-US" smtClean="0"/>
-              <a:t>2024/11/11</a:t>
+              <a:t>2024/11/16</a:t>
             </a:fld>
             <a:endParaRPr kumimoji="1" lang="ja-JP" altLang="en-US"/>
           </a:p>
@@ -2638,7 +2639,7 @@
           <a:p>
             <a:fld id="{9E6D1A4F-384D-4074-A607-DFFF62338B6B}" type="datetimeFigureOut">
               <a:rPr kumimoji="1" lang="ja-JP" altLang="en-US" smtClean="0"/>
-              <a:t>2024/11/11</a:t>
+              <a:t>2024/11/16</a:t>
             </a:fld>
             <a:endParaRPr kumimoji="1" lang="ja-JP" altLang="en-US"/>
           </a:p>
@@ -2926,7 +2927,7 @@
           <a:p>
             <a:fld id="{9E6D1A4F-384D-4074-A607-DFFF62338B6B}" type="datetimeFigureOut">
               <a:rPr kumimoji="1" lang="ja-JP" altLang="en-US" smtClean="0"/>
-              <a:t>2024/11/11</a:t>
+              <a:t>2024/11/16</a:t>
             </a:fld>
             <a:endParaRPr kumimoji="1" lang="ja-JP" altLang="en-US"/>
           </a:p>
@@ -3199,7 +3200,7 @@
           <a:p>
             <a:fld id="{9E6D1A4F-384D-4074-A607-DFFF62338B6B}" type="datetimeFigureOut">
               <a:rPr kumimoji="1" lang="ja-JP" altLang="en-US" smtClean="0"/>
-              <a:t>2024/11/11</a:t>
+              <a:t>2024/11/16</a:t>
             </a:fld>
             <a:endParaRPr kumimoji="1" lang="ja-JP" altLang="en-US"/>
           </a:p>
@@ -23337,6 +23338,98 @@
 </p:sld>
 </file>
 
+<file path=ppt/slides/slide4.xml><?xml version="1.0" encoding="utf-8"?>
+<p:sld xmlns:a="http://schemas.openxmlformats.org/drawingml/2006/main" xmlns:r="http://schemas.openxmlformats.org/officeDocument/2006/relationships" xmlns:p="http://schemas.openxmlformats.org/presentationml/2006/main">
+  <p:cSld>
+    <p:spTree>
+      <p:nvGrpSpPr>
+        <p:cNvPr id="1" name="">
+          <a:extLst>
+            <a:ext uri="{FF2B5EF4-FFF2-40B4-BE49-F238E27FC236}">
+              <a16:creationId xmlns:a16="http://schemas.microsoft.com/office/drawing/2014/main" id="{106F8D8D-30F3-2E33-AA9A-1B0F713F34FF}"/>
+            </a:ext>
+          </a:extLst>
+        </p:cNvPr>
+        <p:cNvGrpSpPr/>
+        <p:nvPr/>
+      </p:nvGrpSpPr>
+      <p:grpSpPr>
+        <a:xfrm>
+          <a:off x="0" y="0"/>
+          <a:ext cx="0" cy="0"/>
+          <a:chOff x="0" y="0"/>
+          <a:chExt cx="0" cy="0"/>
+        </a:xfrm>
+      </p:grpSpPr>
+      <p:sp>
+        <p:nvSpPr>
+          <p:cNvPr id="3" name="テキスト ボックス 2">
+            <a:extLst>
+              <a:ext uri="{FF2B5EF4-FFF2-40B4-BE49-F238E27FC236}">
+                <a16:creationId xmlns:a16="http://schemas.microsoft.com/office/drawing/2014/main" id="{ABD71486-46F4-5450-BAEE-49B53AE3580C}"/>
+              </a:ext>
+            </a:extLst>
+          </p:cNvPr>
+          <p:cNvSpPr txBox="1"/>
+          <p:nvPr/>
+        </p:nvSpPr>
+        <p:spPr>
+          <a:xfrm>
+            <a:off x="1921164" y="1302327"/>
+            <a:ext cx="4192173" cy="369332"/>
+          </a:xfrm>
+          <a:prstGeom prst="rect">
+            <a:avLst/>
+          </a:prstGeom>
+          <a:noFill/>
+        </p:spPr>
+        <p:txBody>
+          <a:bodyPr wrap="none" rtlCol="0">
+            <a:spAutoFit/>
+          </a:bodyPr>
+          <a:lstStyle/>
+          <a:p>
+            <a:r>
+              <a:rPr kumimoji="1" lang="en-US" altLang="ja-JP" dirty="0"/>
+              <a:t>Simulator of Triple</a:t>
+            </a:r>
+            <a:r>
+              <a:rPr lang="ja-JP" altLang="en-US" dirty="0"/>
+              <a:t> </a:t>
+            </a:r>
+            <a:r>
+              <a:rPr lang="en-US" altLang="ja-JP" dirty="0"/>
+              <a:t>axis</a:t>
+            </a:r>
+            <a:r>
+              <a:rPr lang="ja-JP" altLang="en-US" dirty="0"/>
+              <a:t> </a:t>
+            </a:r>
+            <a:r>
+              <a:rPr lang="en-US" altLang="ja-JP" dirty="0"/>
+              <a:t>spectrometer</a:t>
+            </a:r>
+            <a:r>
+              <a:rPr lang="ja-JP" altLang="en-US" dirty="0"/>
+              <a:t> </a:t>
+            </a:r>
+            <a:endParaRPr kumimoji="1" lang="ja-JP" altLang="en-US" dirty="0"/>
+          </a:p>
+        </p:txBody>
+      </p:sp>
+    </p:spTree>
+    <p:extLst>
+      <p:ext uri="{BB962C8B-B14F-4D97-AF65-F5344CB8AC3E}">
+        <p14:creationId xmlns:p14="http://schemas.microsoft.com/office/powerpoint/2010/main" val="1554442041"/>
+      </p:ext>
+    </p:extLst>
+  </p:cSld>
+  <p:clrMapOvr>
+    <a:masterClrMapping/>
+  </p:clrMapOvr>
+</p:sld>
+</file>
+
 <file path=ppt/theme/theme1.xml><?xml version="1.0" encoding="utf-8"?>
 <a:theme xmlns:a="http://schemas.openxmlformats.org/drawingml/2006/main" name="Office テーマ">
   <a:themeElements>
